--- a/1. Input Output/Lessons/Introduction to Python 1.pptx
+++ b/1. Input Output/Lessons/Introduction to Python 1.pptx
@@ -5,7 +5,7 @@
     <p:sldMasterId id="2147483677" r:id="rId1"/>
   </p:sldMasterIdLst>
   <p:notesMasterIdLst>
-    <p:notesMasterId r:id="rId27"/>
+    <p:notesMasterId r:id="rId26"/>
   </p:notesMasterIdLst>
   <p:sldIdLst>
     <p:sldId id="256" r:id="rId2"/>
@@ -25,14 +25,13 @@
     <p:sldId id="264" r:id="rId16"/>
     <p:sldId id="263" r:id="rId17"/>
     <p:sldId id="262" r:id="rId18"/>
-    <p:sldId id="297" r:id="rId19"/>
-    <p:sldId id="265" r:id="rId20"/>
-    <p:sldId id="270" r:id="rId21"/>
-    <p:sldId id="272" r:id="rId22"/>
-    <p:sldId id="290" r:id="rId23"/>
-    <p:sldId id="291" r:id="rId24"/>
-    <p:sldId id="279" r:id="rId25"/>
-    <p:sldId id="286" r:id="rId26"/>
+    <p:sldId id="265" r:id="rId19"/>
+    <p:sldId id="270" r:id="rId20"/>
+    <p:sldId id="272" r:id="rId21"/>
+    <p:sldId id="290" r:id="rId22"/>
+    <p:sldId id="291" r:id="rId23"/>
+    <p:sldId id="279" r:id="rId24"/>
+    <p:sldId id="286" r:id="rId25"/>
   </p:sldIdLst>
   <p:sldSz cx="12192000" cy="6858000"/>
   <p:notesSz cx="6858000" cy="9144000"/>
@@ -236,7 +235,7 @@
           <a:p>
             <a:fld id="{D195B1D4-247C-491D-B3E4-3F7C68B97B49}" type="datetimeFigureOut">
               <a:rPr lang="en-US" smtClean="0"/>
-              <a:t>1/24/2020</a:t>
+              <a:t>1/25/2020</a:t>
             </a:fld>
             <a:endParaRPr lang="en-US"/>
           </a:p>
@@ -9731,7 +9730,7 @@
           <a:p>
             <a:fld id="{7C901FF6-EB3F-4D52-AE30-07A794C03286}" type="datetimeFigureOut">
               <a:rPr lang="en-US" smtClean="0"/>
-              <a:t>1/24/2020</a:t>
+              <a:t>1/25/2020</a:t>
             </a:fld>
             <a:endParaRPr lang="en-US"/>
           </a:p>
@@ -9938,7 +9937,7 @@
           <a:p>
             <a:fld id="{7C901FF6-EB3F-4D52-AE30-07A794C03286}" type="datetimeFigureOut">
               <a:rPr lang="en-US" smtClean="0"/>
-              <a:t>1/24/2020</a:t>
+              <a:t>1/25/2020</a:t>
             </a:fld>
             <a:endParaRPr lang="en-US"/>
           </a:p>
@@ -10118,7 +10117,7 @@
           <a:p>
             <a:fld id="{7C901FF6-EB3F-4D52-AE30-07A794C03286}" type="datetimeFigureOut">
               <a:rPr lang="en-US" smtClean="0"/>
-              <a:t>1/24/2020</a:t>
+              <a:t>1/25/2020</a:t>
             </a:fld>
             <a:endParaRPr lang="en-US"/>
           </a:p>
@@ -10323,7 +10322,7 @@
           <a:p>
             <a:fld id="{7C901FF6-EB3F-4D52-AE30-07A794C03286}" type="datetimeFigureOut">
               <a:rPr lang="en-US" smtClean="0"/>
-              <a:t>1/24/2020</a:t>
+              <a:t>1/25/2020</a:t>
             </a:fld>
             <a:endParaRPr lang="en-US"/>
           </a:p>
@@ -19221,7 +19220,7 @@
           <a:p>
             <a:fld id="{7C901FF6-EB3F-4D52-AE30-07A794C03286}" type="datetimeFigureOut">
               <a:rPr lang="en-US" smtClean="0"/>
-              <a:t>1/24/2020</a:t>
+              <a:t>1/25/2020</a:t>
             </a:fld>
             <a:endParaRPr lang="en-US"/>
           </a:p>
@@ -19495,7 +19494,7 @@
           <a:p>
             <a:fld id="{7C901FF6-EB3F-4D52-AE30-07A794C03286}" type="datetimeFigureOut">
               <a:rPr lang="en-US" smtClean="0"/>
-              <a:t>1/24/2020</a:t>
+              <a:t>1/25/2020</a:t>
             </a:fld>
             <a:endParaRPr lang="en-US"/>
           </a:p>
@@ -19893,7 +19892,7 @@
           <a:p>
             <a:fld id="{7C901FF6-EB3F-4D52-AE30-07A794C03286}" type="datetimeFigureOut">
               <a:rPr lang="en-US" smtClean="0"/>
-              <a:t>1/24/2020</a:t>
+              <a:t>1/25/2020</a:t>
             </a:fld>
             <a:endParaRPr lang="en-US"/>
           </a:p>
@@ -20011,7 +20010,7 @@
           <a:p>
             <a:fld id="{7C901FF6-EB3F-4D52-AE30-07A794C03286}" type="datetimeFigureOut">
               <a:rPr lang="en-US" smtClean="0"/>
-              <a:t>1/24/2020</a:t>
+              <a:t>1/25/2020</a:t>
             </a:fld>
             <a:endParaRPr lang="en-US"/>
           </a:p>
@@ -20106,7 +20105,7 @@
           <a:p>
             <a:fld id="{7C901FF6-EB3F-4D52-AE30-07A794C03286}" type="datetimeFigureOut">
               <a:rPr lang="en-US" smtClean="0"/>
-              <a:t>1/24/2020</a:t>
+              <a:t>1/25/2020</a:t>
             </a:fld>
             <a:endParaRPr lang="en-US"/>
           </a:p>
@@ -20396,7 +20395,7 @@
           <a:p>
             <a:fld id="{7C901FF6-EB3F-4D52-AE30-07A794C03286}" type="datetimeFigureOut">
               <a:rPr lang="en-US" smtClean="0"/>
-              <a:t>1/24/2020</a:t>
+              <a:t>1/25/2020</a:t>
             </a:fld>
             <a:endParaRPr lang="en-US"/>
           </a:p>
@@ -20676,7 +20675,7 @@
           <a:p>
             <a:fld id="{7C901FF6-EB3F-4D52-AE30-07A794C03286}" type="datetimeFigureOut">
               <a:rPr lang="en-US" smtClean="0"/>
-              <a:t>1/24/2020</a:t>
+              <a:t>1/25/2020</a:t>
             </a:fld>
             <a:endParaRPr lang="en-US"/>
           </a:p>
@@ -20926,7 +20925,7 @@
           <a:p>
             <a:fld id="{7C901FF6-EB3F-4D52-AE30-07A794C03286}" type="datetimeFigureOut">
               <a:rPr lang="en-US" smtClean="0"/>
-              <a:t>1/24/2020</a:t>
+              <a:t>1/25/2020</a:t>
             </a:fld>
             <a:endParaRPr lang="en-US"/>
           </a:p>
@@ -23395,14 +23394,14 @@
             <p:ph idx="1"/>
             <p:extLst>
               <p:ext uri="{D42A27DB-BD31-4B8C-83A1-F6EECF244321}">
-                <p14:modId xmlns:p14="http://schemas.microsoft.com/office/powerpoint/2010/main" val="3470190765"/>
+                <p14:modId xmlns:p14="http://schemas.microsoft.com/office/powerpoint/2010/main" val="797625332"/>
               </p:ext>
             </p:extLst>
           </p:nvPr>
         </p:nvGraphicFramePr>
         <p:xfrm>
           <a:off x="1023938" y="2286000"/>
-          <a:ext cx="9720264" cy="1603374"/>
+          <a:ext cx="9720264" cy="1708996"/>
         </p:xfrm>
         <a:graphic>
           <a:graphicData uri="http://schemas.openxmlformats.org/drawingml/2006/table">
@@ -23487,7 +23486,7 @@
                     <a:p>
                       <a:r>
                         <a:rPr lang="en-US" dirty="0"/>
-                        <a:t>Integer</a:t>
+                        <a:t>int</a:t>
                       </a:r>
                     </a:p>
                   </a:txBody>
@@ -23500,7 +23499,7 @@
                     <a:p>
                       <a:r>
                         <a:rPr lang="en-US" dirty="0"/>
-                        <a:t>Whole number</a:t>
+                        <a:t>An Integer</a:t>
                       </a:r>
                     </a:p>
                   </a:txBody>
@@ -23513,7 +23512,7 @@
                     <a:p>
                       <a:r>
                         <a:rPr lang="en-US" dirty="0"/>
-                        <a:t>4, 400, -30</a:t>
+                        <a:t>-4, 5, 100</a:t>
                       </a:r>
                     </a:p>
                   </a:txBody>
@@ -23533,7 +23532,7 @@
                     <a:p>
                       <a:r>
                         <a:rPr lang="en-US" dirty="0"/>
-                        <a:t>Floating Point (aka floats)</a:t>
+                        <a:t>float</a:t>
                       </a:r>
                     </a:p>
                   </a:txBody>
@@ -23546,7 +23545,7 @@
                     <a:p>
                       <a:r>
                         <a:rPr lang="en-US" dirty="0"/>
-                        <a:t>Decimal Point</a:t>
+                        <a:t>Floating Point or real numbers that contain fractional parts</a:t>
                       </a:r>
                     </a:p>
                   </a:txBody>
@@ -23559,7 +23558,7 @@
                     <a:p>
                       <a:r>
                         <a:rPr lang="en-US" dirty="0"/>
-                        <a:t>0.0, 1.4, 3.2</a:t>
+                        <a:t>0.0, 1.5, 2.99, -30</a:t>
                       </a:r>
                     </a:p>
                   </a:txBody>
@@ -23590,7 +23589,7 @@
         <p:spPr>
           <a:xfrm>
             <a:off x="447322" y="4188937"/>
-            <a:ext cx="11020778" cy="646331"/>
+            <a:ext cx="11020778" cy="1477328"/>
           </a:xfrm>
           <a:prstGeom prst="rect">
             <a:avLst/>
@@ -23621,6 +23620,30 @@
               <a:rPr lang="en-US" dirty="0"/>
               <a:t>They are mostly used in cases that require unusually high levels of accuracy or are dealing with imaginary numbers</a:t>
             </a:r>
+          </a:p>
+          <a:p>
+            <a:pPr marL="285750" indent="-285750">
+              <a:buFont typeface="Arial" panose="020B0604020202020204" pitchFamily="34" charset="0"/>
+              <a:buChar char="•"/>
+            </a:pPr>
+            <a:r>
+              <a:rPr lang="en-US" dirty="0"/>
+              <a:t>Operations between floats and integers will always return an integer</a:t>
+            </a:r>
+            <a:br>
+              <a:rPr lang="en-US" dirty="0"/>
+            </a:br>
+            <a:r>
+              <a:rPr lang="en-US" dirty="0"/>
+              <a:t>		4+2.0 = 6.0</a:t>
+            </a:r>
+          </a:p>
+          <a:p>
+            <a:pPr marL="285750" indent="-285750">
+              <a:buFont typeface="Arial" panose="020B0604020202020204" pitchFamily="34" charset="0"/>
+              <a:buChar char="•"/>
+            </a:pPr>
+            <a:endParaRPr lang="en-US" dirty="0"/>
           </a:p>
         </p:txBody>
       </p:sp>
@@ -24080,163 +24103,6 @@
       </p:grpSpPr>
       <p:sp>
         <p:nvSpPr>
-          <p:cNvPr id="6" name="TextBox 5">
-            <a:extLst>
-              <a:ext uri="{FF2B5EF4-FFF2-40B4-BE49-F238E27FC236}">
-                <a16:creationId xmlns:a16="http://schemas.microsoft.com/office/drawing/2014/main" id="{DD9486C7-06D7-4B40-8EAA-B864464F9162}"/>
-              </a:ext>
-            </a:extLst>
-          </p:cNvPr>
-          <p:cNvSpPr txBox="1"/>
-          <p:nvPr/>
-        </p:nvSpPr>
-        <p:spPr>
-          <a:xfrm>
-            <a:off x="2348088" y="6492875"/>
-            <a:ext cx="5924903" cy="230832"/>
-          </a:xfrm>
-          <a:prstGeom prst="rect">
-            <a:avLst/>
-          </a:prstGeom>
-          <a:noFill/>
-        </p:spPr>
-        <p:txBody>
-          <a:bodyPr wrap="square" rtlCol="0">
-            <a:spAutoFit/>
-          </a:bodyPr>
-          <a:lstStyle/>
-          <a:p>
-            <a:endParaRPr lang="en-US" sz="900" dirty="0"/>
-          </a:p>
-        </p:txBody>
-      </p:sp>
-      <p:sp>
-        <p:nvSpPr>
-          <p:cNvPr id="2" name="Title 1">
-            <a:extLst>
-              <a:ext uri="{FF2B5EF4-FFF2-40B4-BE49-F238E27FC236}">
-                <a16:creationId xmlns:a16="http://schemas.microsoft.com/office/drawing/2014/main" id="{DFE91773-EE06-4AE7-A40F-756F2601CB75}"/>
-              </a:ext>
-            </a:extLst>
-          </p:cNvPr>
-          <p:cNvSpPr>
-            <a:spLocks noGrp="1"/>
-          </p:cNvSpPr>
-          <p:nvPr>
-            <p:ph type="title"/>
-          </p:nvPr>
-        </p:nvSpPr>
-        <p:spPr>
-          <a:xfrm>
-            <a:off x="838200" y="675640"/>
-            <a:ext cx="10515600" cy="1325563"/>
-          </a:xfrm>
-        </p:spPr>
-        <p:txBody>
-          <a:bodyPr>
-            <a:normAutofit/>
-          </a:bodyPr>
-          <a:lstStyle/>
-          <a:p>
-            <a:r>
-              <a:rPr lang="en-US" b="1" dirty="0"/>
-              <a:t>Practice</a:t>
-            </a:r>
-          </a:p>
-        </p:txBody>
-      </p:sp>
-      <p:pic>
-        <p:nvPicPr>
-          <p:cNvPr id="7" name="Picture 6">
-            <a:extLst>
-              <a:ext uri="{FF2B5EF4-FFF2-40B4-BE49-F238E27FC236}">
-                <a16:creationId xmlns:a16="http://schemas.microsoft.com/office/drawing/2014/main" id="{2937040C-404F-48E4-8842-7ABB234DBCF4}"/>
-              </a:ext>
-            </a:extLst>
-          </p:cNvPr>
-          <p:cNvPicPr>
-            <a:picLocks noChangeAspect="1"/>
-          </p:cNvPicPr>
-          <p:nvPr/>
-        </p:nvPicPr>
-        <p:blipFill>
-          <a:blip r:embed="rId2"/>
-          <a:stretch>
-            <a:fillRect/>
-          </a:stretch>
-        </p:blipFill>
-        <p:spPr>
-          <a:xfrm>
-            <a:off x="1028700" y="4521200"/>
-            <a:ext cx="10134600" cy="1895475"/>
-          </a:xfrm>
-          <a:prstGeom prst="rect">
-            <a:avLst/>
-          </a:prstGeom>
-        </p:spPr>
-      </p:pic>
-      <p:pic>
-        <p:nvPicPr>
-          <p:cNvPr id="8" name="Picture 7">
-            <a:extLst>
-              <a:ext uri="{FF2B5EF4-FFF2-40B4-BE49-F238E27FC236}">
-                <a16:creationId xmlns:a16="http://schemas.microsoft.com/office/drawing/2014/main" id="{A64A22EA-F366-470A-8F40-2E33F0E55F73}"/>
-              </a:ext>
-            </a:extLst>
-          </p:cNvPr>
-          <p:cNvPicPr>
-            <a:picLocks noChangeAspect="1"/>
-          </p:cNvPicPr>
-          <p:nvPr/>
-        </p:nvPicPr>
-        <p:blipFill>
-          <a:blip r:embed="rId3"/>
-          <a:stretch>
-            <a:fillRect/>
-          </a:stretch>
-        </p:blipFill>
-        <p:spPr>
-          <a:xfrm>
-            <a:off x="967316" y="2001203"/>
-            <a:ext cx="7305675" cy="1066800"/>
-          </a:xfrm>
-          <a:prstGeom prst="rect">
-            <a:avLst/>
-          </a:prstGeom>
-        </p:spPr>
-      </p:pic>
-    </p:spTree>
-    <p:extLst>
-      <p:ext uri="{BB962C8B-B14F-4D97-AF65-F5344CB8AC3E}">
-        <p14:creationId xmlns:p14="http://schemas.microsoft.com/office/powerpoint/2010/main" val="250909666"/>
-      </p:ext>
-    </p:extLst>
-  </p:cSld>
-  <p:clrMapOvr>
-    <a:masterClrMapping/>
-  </p:clrMapOvr>
-</p:sld>
-</file>
-
-<file path=ppt/slides/slide19.xml><?xml version="1.0" encoding="utf-8"?>
-<p:sld xmlns:a="http://schemas.openxmlformats.org/drawingml/2006/main" xmlns:r="http://schemas.openxmlformats.org/officeDocument/2006/relationships" xmlns:p="http://schemas.openxmlformats.org/presentationml/2006/main">
-  <p:cSld>
-    <p:spTree>
-      <p:nvGrpSpPr>
-        <p:cNvPr id="1" name=""/>
-        <p:cNvGrpSpPr/>
-        <p:nvPr/>
-      </p:nvGrpSpPr>
-      <p:grpSpPr>
-        <a:xfrm>
-          <a:off x="0" y="0"/>
-          <a:ext cx="0" cy="0"/>
-          <a:chOff x="0" y="0"/>
-          <a:chExt cx="0" cy="0"/>
-        </a:xfrm>
-      </p:grpSpPr>
-      <p:sp>
-        <p:nvSpPr>
           <p:cNvPr id="2" name="Title 1">
             <a:extLst>
               <a:ext uri="{FF2B5EF4-FFF2-40B4-BE49-F238E27FC236}">
@@ -24293,7 +24159,7 @@
         </p:spPr>
         <p:txBody>
           <a:bodyPr>
-            <a:normAutofit/>
+            <a:normAutofit lnSpcReduction="10000"/>
           </a:bodyPr>
           <a:lstStyle/>
           <a:p>
@@ -24307,30 +24173,64 @@
             </a:r>
           </a:p>
           <a:p>
-            <a:pPr>
-              <a:buFont typeface="Wingdings" panose="05000000000000000000" pitchFamily="2" charset="2"/>
-              <a:buChar char="Ø"/>
-            </a:pPr>
+            <a:r>
+              <a:rPr lang="en-US" b="1" dirty="0"/>
+              <a:t>Parenthesis		</a:t>
+            </a:r>
             <a:r>
               <a:rPr lang="en-US" dirty="0"/>
-              <a:t>Python is dynamically typed meaning you can convert data types </a:t>
+              <a:t>(x + y)</a:t>
             </a:r>
           </a:p>
           <a:p>
-            <a:pPr>
-              <a:buFont typeface="Wingdings" panose="05000000000000000000" pitchFamily="2" charset="2"/>
-              <a:buChar char="Ø"/>
-            </a:pPr>
+            <a:r>
+              <a:rPr lang="en-US" b="1" dirty="0"/>
+              <a:t>Exponents		</a:t>
+            </a:r>
             <a:r>
               <a:rPr lang="en-US" dirty="0"/>
-              <a:t>Operations between floats and integers will always return an integer</a:t>
+              <a:t>x**2</a:t>
             </a:r>
-            <a:br>
-              <a:rPr lang="en-US" dirty="0"/>
-            </a:br>
+          </a:p>
+          <a:p>
+            <a:r>
+              <a:rPr lang="en-US" b="1" dirty="0"/>
+              <a:t>Multiplication		</a:t>
+            </a:r>
             <a:r>
               <a:rPr lang="en-US" dirty="0"/>
-              <a:t>		4+2.0 = 6.0</a:t>
+              <a:t>x*y</a:t>
+            </a:r>
+          </a:p>
+          <a:p>
+            <a:r>
+              <a:rPr lang="en-US" b="1" dirty="0"/>
+              <a:t>Division		</a:t>
+            </a:r>
+            <a:r>
+              <a:rPr lang="en-US" dirty="0"/>
+              <a:t>x/y</a:t>
+            </a:r>
+          </a:p>
+          <a:p>
+            <a:r>
+              <a:rPr lang="en-US" b="1" dirty="0"/>
+              <a:t>Addition 		</a:t>
+            </a:r>
+            <a:r>
+              <a:rPr lang="en-US" dirty="0" err="1"/>
+              <a:t>x+y</a:t>
+            </a:r>
+            <a:endParaRPr lang="en-US" dirty="0"/>
+          </a:p>
+          <a:p>
+            <a:r>
+              <a:rPr lang="en-US" b="1" dirty="0"/>
+              <a:t>Subtraction 		</a:t>
+            </a:r>
+            <a:r>
+              <a:rPr lang="en-US" dirty="0"/>
+              <a:t>x-y</a:t>
             </a:r>
           </a:p>
           <a:p>
@@ -24369,140 +24269,7 @@
 </p:sld>
 </file>
 
-<file path=ppt/slides/slide2.xml><?xml version="1.0" encoding="utf-8"?>
-<p:sld xmlns:a="http://schemas.openxmlformats.org/drawingml/2006/main" xmlns:r="http://schemas.openxmlformats.org/officeDocument/2006/relationships" xmlns:p="http://schemas.openxmlformats.org/presentationml/2006/main">
-  <p:cSld>
-    <p:spTree>
-      <p:nvGrpSpPr>
-        <p:cNvPr id="1" name=""/>
-        <p:cNvGrpSpPr/>
-        <p:nvPr/>
-      </p:nvGrpSpPr>
-      <p:grpSpPr>
-        <a:xfrm>
-          <a:off x="0" y="0"/>
-          <a:ext cx="0" cy="0"/>
-          <a:chOff x="0" y="0"/>
-          <a:chExt cx="0" cy="0"/>
-        </a:xfrm>
-      </p:grpSpPr>
-      <p:sp>
-        <p:nvSpPr>
-          <p:cNvPr id="2" name="Title 1">
-            <a:extLst>
-              <a:ext uri="{FF2B5EF4-FFF2-40B4-BE49-F238E27FC236}">
-                <a16:creationId xmlns:a16="http://schemas.microsoft.com/office/drawing/2014/main" id="{F51C1785-0604-492C-AF19-9A7807AF3190}"/>
-              </a:ext>
-            </a:extLst>
-          </p:cNvPr>
-          <p:cNvSpPr>
-            <a:spLocks noGrp="1"/>
-          </p:cNvSpPr>
-          <p:nvPr>
-            <p:ph type="title"/>
-          </p:nvPr>
-        </p:nvSpPr>
-        <p:spPr/>
-        <p:txBody>
-          <a:bodyPr/>
-          <a:lstStyle/>
-          <a:p>
-            <a:r>
-              <a:rPr lang="en-US" dirty="0"/>
-              <a:t>What is Python?</a:t>
-            </a:r>
-          </a:p>
-        </p:txBody>
-      </p:sp>
-      <p:sp>
-        <p:nvSpPr>
-          <p:cNvPr id="3" name="Content Placeholder 2">
-            <a:extLst>
-              <a:ext uri="{FF2B5EF4-FFF2-40B4-BE49-F238E27FC236}">
-                <a16:creationId xmlns:a16="http://schemas.microsoft.com/office/drawing/2014/main" id="{0CB60060-D13E-4228-AAF9-A206ED10DDC6}"/>
-              </a:ext>
-            </a:extLst>
-          </p:cNvPr>
-          <p:cNvSpPr>
-            <a:spLocks noGrp="1"/>
-          </p:cNvSpPr>
-          <p:nvPr>
-            <p:ph idx="1"/>
-          </p:nvPr>
-        </p:nvSpPr>
-        <p:spPr>
-          <a:xfrm>
-            <a:off x="677334" y="1857200"/>
-            <a:ext cx="8596668" cy="3880773"/>
-          </a:xfrm>
-        </p:spPr>
-        <p:txBody>
-          <a:bodyPr>
-            <a:normAutofit/>
-          </a:bodyPr>
-          <a:lstStyle/>
-          <a:p>
-            <a:r>
-              <a:rPr lang="en-US" dirty="0"/>
-              <a:t>Python is a clear and powerful object-oriented programming language, comparable to Perl, Ruby, or Java.</a:t>
-            </a:r>
-          </a:p>
-          <a:p>
-            <a:r>
-              <a:rPr lang="en-US" dirty="0"/>
-              <a:t>An object is something that can hold data and ca have actions associated </a:t>
-            </a:r>
-            <a:r>
-              <a:rPr lang="en-US"/>
-              <a:t>with them</a:t>
-            </a:r>
-            <a:endParaRPr lang="en-US" dirty="0"/>
-          </a:p>
-          <a:p>
-            <a:r>
-              <a:rPr lang="en-US" dirty="0"/>
-              <a:t>Python can be used to create GUI applications, data science, game development, optimize business processes and more. </a:t>
-            </a:r>
-          </a:p>
-          <a:p>
-            <a:r>
-              <a:rPr lang="en-US" dirty="0"/>
-              <a:t>The concepts and syntax learned in Python are transferrable to other programming languages</a:t>
-            </a:r>
-          </a:p>
-          <a:p>
-            <a:endParaRPr lang="en-US" dirty="0"/>
-          </a:p>
-          <a:p>
-            <a:pPr marL="914400" lvl="2" indent="0">
-              <a:buNone/>
-            </a:pPr>
-            <a:endParaRPr lang="en-US" dirty="0"/>
-          </a:p>
-          <a:p>
-            <a:pPr lvl="2"/>
-            <a:endParaRPr lang="en-US" dirty="0"/>
-          </a:p>
-          <a:p>
-            <a:pPr lvl="2"/>
-            <a:endParaRPr lang="en-US" dirty="0"/>
-          </a:p>
-        </p:txBody>
-      </p:sp>
-    </p:spTree>
-    <p:extLst>
-      <p:ext uri="{BB962C8B-B14F-4D97-AF65-F5344CB8AC3E}">
-        <p14:creationId xmlns:p14="http://schemas.microsoft.com/office/powerpoint/2010/main" val="691879307"/>
-      </p:ext>
-    </p:extLst>
-  </p:cSld>
-  <p:clrMapOvr>
-    <a:masterClrMapping/>
-  </p:clrMapOvr>
-</p:sld>
-</file>
-
-<file path=ppt/slides/slide20.xml><?xml version="1.0" encoding="utf-8"?>
+<file path=ppt/slides/slide19.xml><?xml version="1.0" encoding="utf-8"?>
 <p:sld xmlns:a="http://schemas.openxmlformats.org/drawingml/2006/main" xmlns:r="http://schemas.openxmlformats.org/officeDocument/2006/relationships" xmlns:p="http://schemas.openxmlformats.org/presentationml/2006/main">
   <p:cSld>
     <p:spTree>
@@ -24773,7 +24540,140 @@
 </p:sld>
 </file>
 
-<file path=ppt/slides/slide21.xml><?xml version="1.0" encoding="utf-8"?>
+<file path=ppt/slides/slide2.xml><?xml version="1.0" encoding="utf-8"?>
+<p:sld xmlns:a="http://schemas.openxmlformats.org/drawingml/2006/main" xmlns:r="http://schemas.openxmlformats.org/officeDocument/2006/relationships" xmlns:p="http://schemas.openxmlformats.org/presentationml/2006/main">
+  <p:cSld>
+    <p:spTree>
+      <p:nvGrpSpPr>
+        <p:cNvPr id="1" name=""/>
+        <p:cNvGrpSpPr/>
+        <p:nvPr/>
+      </p:nvGrpSpPr>
+      <p:grpSpPr>
+        <a:xfrm>
+          <a:off x="0" y="0"/>
+          <a:ext cx="0" cy="0"/>
+          <a:chOff x="0" y="0"/>
+          <a:chExt cx="0" cy="0"/>
+        </a:xfrm>
+      </p:grpSpPr>
+      <p:sp>
+        <p:nvSpPr>
+          <p:cNvPr id="2" name="Title 1">
+            <a:extLst>
+              <a:ext uri="{FF2B5EF4-FFF2-40B4-BE49-F238E27FC236}">
+                <a16:creationId xmlns:a16="http://schemas.microsoft.com/office/drawing/2014/main" id="{F51C1785-0604-492C-AF19-9A7807AF3190}"/>
+              </a:ext>
+            </a:extLst>
+          </p:cNvPr>
+          <p:cNvSpPr>
+            <a:spLocks noGrp="1"/>
+          </p:cNvSpPr>
+          <p:nvPr>
+            <p:ph type="title"/>
+          </p:nvPr>
+        </p:nvSpPr>
+        <p:spPr/>
+        <p:txBody>
+          <a:bodyPr/>
+          <a:lstStyle/>
+          <a:p>
+            <a:r>
+              <a:rPr lang="en-US" dirty="0"/>
+              <a:t>What is Python?</a:t>
+            </a:r>
+          </a:p>
+        </p:txBody>
+      </p:sp>
+      <p:sp>
+        <p:nvSpPr>
+          <p:cNvPr id="3" name="Content Placeholder 2">
+            <a:extLst>
+              <a:ext uri="{FF2B5EF4-FFF2-40B4-BE49-F238E27FC236}">
+                <a16:creationId xmlns:a16="http://schemas.microsoft.com/office/drawing/2014/main" id="{0CB60060-D13E-4228-AAF9-A206ED10DDC6}"/>
+              </a:ext>
+            </a:extLst>
+          </p:cNvPr>
+          <p:cNvSpPr>
+            <a:spLocks noGrp="1"/>
+          </p:cNvSpPr>
+          <p:nvPr>
+            <p:ph idx="1"/>
+          </p:nvPr>
+        </p:nvSpPr>
+        <p:spPr>
+          <a:xfrm>
+            <a:off x="677334" y="1857200"/>
+            <a:ext cx="8596668" cy="3880773"/>
+          </a:xfrm>
+        </p:spPr>
+        <p:txBody>
+          <a:bodyPr>
+            <a:normAutofit/>
+          </a:bodyPr>
+          <a:lstStyle/>
+          <a:p>
+            <a:r>
+              <a:rPr lang="en-US" dirty="0"/>
+              <a:t>Python is a clear and powerful object-oriented programming language, comparable to Perl, Ruby, or Java.</a:t>
+            </a:r>
+          </a:p>
+          <a:p>
+            <a:r>
+              <a:rPr lang="en-US" dirty="0"/>
+              <a:t>An object is something that can hold data and ca have actions associated </a:t>
+            </a:r>
+            <a:r>
+              <a:rPr lang="en-US"/>
+              <a:t>with them</a:t>
+            </a:r>
+            <a:endParaRPr lang="en-US" dirty="0"/>
+          </a:p>
+          <a:p>
+            <a:r>
+              <a:rPr lang="en-US" dirty="0"/>
+              <a:t>Python can be used to create GUI applications, data science, game development, optimize business processes and more. </a:t>
+            </a:r>
+          </a:p>
+          <a:p>
+            <a:r>
+              <a:rPr lang="en-US" dirty="0"/>
+              <a:t>The concepts and syntax learned in Python are transferrable to other programming languages</a:t>
+            </a:r>
+          </a:p>
+          <a:p>
+            <a:endParaRPr lang="en-US" dirty="0"/>
+          </a:p>
+          <a:p>
+            <a:pPr marL="914400" lvl="2" indent="0">
+              <a:buNone/>
+            </a:pPr>
+            <a:endParaRPr lang="en-US" dirty="0"/>
+          </a:p>
+          <a:p>
+            <a:pPr lvl="2"/>
+            <a:endParaRPr lang="en-US" dirty="0"/>
+          </a:p>
+          <a:p>
+            <a:pPr lvl="2"/>
+            <a:endParaRPr lang="en-US" dirty="0"/>
+          </a:p>
+        </p:txBody>
+      </p:sp>
+    </p:spTree>
+    <p:extLst>
+      <p:ext uri="{BB962C8B-B14F-4D97-AF65-F5344CB8AC3E}">
+        <p14:creationId xmlns:p14="http://schemas.microsoft.com/office/powerpoint/2010/main" val="691879307"/>
+      </p:ext>
+    </p:extLst>
+  </p:cSld>
+  <p:clrMapOvr>
+    <a:masterClrMapping/>
+  </p:clrMapOvr>
+</p:sld>
+</file>
+
+<file path=ppt/slides/slide20.xml><?xml version="1.0" encoding="utf-8"?>
 <p:sld xmlns:a="http://schemas.openxmlformats.org/drawingml/2006/main" xmlns:r="http://schemas.openxmlformats.org/officeDocument/2006/relationships" xmlns:p="http://schemas.openxmlformats.org/presentationml/2006/main">
   <p:cSld>
     <p:spTree>
@@ -25387,7 +25287,7 @@
 </p:sld>
 </file>
 
-<file path=ppt/slides/slide22.xml><?xml version="1.0" encoding="utf-8"?>
+<file path=ppt/slides/slide21.xml><?xml version="1.0" encoding="utf-8"?>
 <p:sld xmlns:a="http://schemas.openxmlformats.org/drawingml/2006/main" xmlns:r="http://schemas.openxmlformats.org/officeDocument/2006/relationships" xmlns:p="http://schemas.openxmlformats.org/presentationml/2006/main">
   <p:cSld>
     <p:spTree>
@@ -25556,7 +25456,7 @@
 </p:sld>
 </file>
 
-<file path=ppt/slides/slide23.xml><?xml version="1.0" encoding="utf-8"?>
+<file path=ppt/slides/slide22.xml><?xml version="1.0" encoding="utf-8"?>
 <p:sld xmlns:a="http://schemas.openxmlformats.org/drawingml/2006/main" xmlns:r="http://schemas.openxmlformats.org/officeDocument/2006/relationships" xmlns:p="http://schemas.openxmlformats.org/presentationml/2006/main">
   <p:cSld>
     <p:spTree>
@@ -25649,7 +25549,7 @@
 </p:sld>
 </file>
 
-<file path=ppt/slides/slide24.xml><?xml version="1.0" encoding="utf-8"?>
+<file path=ppt/slides/slide23.xml><?xml version="1.0" encoding="utf-8"?>
 <p:sld xmlns:a="http://schemas.openxmlformats.org/drawingml/2006/main" xmlns:r="http://schemas.openxmlformats.org/officeDocument/2006/relationships" xmlns:p="http://schemas.openxmlformats.org/presentationml/2006/main">
   <p:cSld>
     <p:spTree>
@@ -25969,7 +25869,7 @@
 </p:sld>
 </file>
 
-<file path=ppt/slides/slide25.xml><?xml version="1.0" encoding="utf-8"?>
+<file path=ppt/slides/slide24.xml><?xml version="1.0" encoding="utf-8"?>
 <p:sld xmlns:a="http://schemas.openxmlformats.org/drawingml/2006/main" xmlns:r="http://schemas.openxmlformats.org/officeDocument/2006/relationships" xmlns:p="http://schemas.openxmlformats.org/presentationml/2006/main">
   <p:cSld>
     <p:spTree>
@@ -26038,7 +25938,7 @@
         </p:spPr>
         <p:txBody>
           <a:bodyPr>
-            <a:normAutofit/>
+            <a:normAutofit fontScale="92500" lnSpcReduction="10000"/>
           </a:bodyPr>
           <a:lstStyle/>
           <a:p>
@@ -26049,6 +25949,16 @@
             <a:r>
               <a:rPr lang="en-US" dirty="0"/>
               <a:t>How do I open the Python Interpreter?</a:t>
+            </a:r>
+          </a:p>
+          <a:p>
+            <a:pPr marL="457200" indent="-457200">
+              <a:buFont typeface="+mj-lt"/>
+              <a:buAutoNum type="arabicPeriod"/>
+            </a:pPr>
+            <a:r>
+              <a:rPr lang="en-US" dirty="0"/>
+              <a:t>What is the difference between None and 0?</a:t>
             </a:r>
           </a:p>
           <a:p>
@@ -26124,6 +26034,12 @@
               <a:rPr lang="en-US" dirty="0"/>
               <a:t>print(“Please \n Slow \n Down”)</a:t>
             </a:r>
+          </a:p>
+          <a:p>
+            <a:pPr marL="0" indent="0">
+              <a:buNone/>
+            </a:pPr>
+            <a:endParaRPr lang="en-US" dirty="0"/>
           </a:p>
           <a:p>
             <a:pPr marL="457200" indent="-457200">
@@ -26513,8 +26429,8 @@
         </p:blipFill>
         <p:spPr>
           <a:xfrm>
-            <a:off x="1450356" y="3066978"/>
-            <a:ext cx="8818864" cy="3618550"/>
+            <a:off x="2354334" y="3568700"/>
+            <a:ext cx="6931644" cy="3066028"/>
           </a:xfrm>
           <a:prstGeom prst="rect">
             <a:avLst/>
@@ -26829,7 +26745,17 @@
             </a:pPr>
             <a:r>
               <a:rPr lang="en-US" dirty="0"/>
-              <a:t>You can use the default IDE (recommended) or other IDE’s such as Visual Studio, Spyder, </a:t>
+              <a:t>This course will use the default IDE</a:t>
+            </a:r>
+          </a:p>
+          <a:p>
+            <a:pPr>
+              <a:buFont typeface="Wingdings" panose="05000000000000000000" pitchFamily="2" charset="2"/>
+              <a:buChar char="Ø"/>
+            </a:pPr>
+            <a:r>
+              <a:rPr lang="en-US" dirty="0"/>
+              <a:t>You may consider using advance IDE’s such as Visual Studio, Spyder, </a:t>
             </a:r>
             <a:r>
               <a:rPr lang="en-US" dirty="0" err="1"/>
@@ -26837,7 +26763,15 @@
             </a:r>
             <a:r>
               <a:rPr lang="en-US" dirty="0"/>
-              <a:t>, or any of the dozens available</a:t>
+              <a:t>, or others at home. Research </a:t>
+            </a:r>
+            <a:r>
+              <a:rPr lang="en-US" dirty="0" err="1"/>
+              <a:t>thouroughly</a:t>
+            </a:r>
+            <a:r>
+              <a:rPr lang="en-US" dirty="0"/>
+              <a:t> before downloading</a:t>
             </a:r>
           </a:p>
           <a:p>
@@ -27004,7 +26938,7 @@
           <a:p>
             <a:r>
               <a:rPr lang="en-US" dirty="0"/>
-              <a:t>The “Hello World” program is a rite of passage for all new programmers.</a:t>
+              <a:t>The “Hello World” program is a rite of passage for new programmers.</a:t>
             </a:r>
           </a:p>
           <a:p>
@@ -27153,7 +27087,7 @@
           <a:p>
             <a:r>
               <a:rPr lang="en-US" dirty="0"/>
-              <a:t>BASIC Data Types</a:t>
+              <a:t>Some BASIC Data Types</a:t>
             </a:r>
           </a:p>
         </p:txBody>
@@ -27241,31 +27175,33 @@
             </a:pPr>
             <a:r>
               <a:rPr lang="en-US" b="1" dirty="0"/>
-              <a:t>Sequence: </a:t>
+              <a:t>Sequences: </a:t>
             </a:r>
             <a:r>
               <a:rPr lang="en-US" dirty="0"/>
               <a:t>lists, tuples, rangers</a:t>
             </a:r>
-            <a:endParaRPr lang="en-US" b="1" dirty="0"/>
           </a:p>
           <a:p>
             <a:pPr marL="457200" indent="-457200">
               <a:buFont typeface="+mj-lt"/>
               <a:buAutoNum type="arabicPeriod"/>
             </a:pPr>
-            <a:r>
-              <a:rPr lang="en-US" b="1" dirty="0"/>
-              <a:t>Binary: </a:t>
-            </a:r>
+            <a:endParaRPr lang="en-US" b="1" dirty="0"/>
+          </a:p>
+          <a:p>
+            <a:pPr marL="0" indent="0">
+              <a:buNone/>
+            </a:pPr>
             <a:r>
               <a:rPr lang="en-US" dirty="0"/>
-              <a:t>Byte, </a:t>
+              <a:t>Python is a dynamically typed language meaning variables can switch data types throughout a program</a:t>
             </a:r>
-            <a:r>
-              <a:rPr lang="en-US" dirty="0" err="1"/>
-              <a:t>bytearray</a:t>
-            </a:r>
+          </a:p>
+          <a:p>
+            <a:pPr marL="0" indent="0">
+              <a:buNone/>
+            </a:pPr>
             <a:endParaRPr lang="en-US" b="1" dirty="0"/>
           </a:p>
           <a:p>
@@ -34980,6 +34916,21 @@
               <a:rPr lang="en-US" dirty="0"/>
               <a:t>	active = False</a:t>
             </a:r>
+            <a:br>
+              <a:rPr lang="en-US" dirty="0"/>
+            </a:br>
+            <a:r>
+              <a:rPr lang="en-US" dirty="0"/>
+              <a:t>	</a:t>
+            </a:r>
+            <a:r>
+              <a:rPr lang="en-US" dirty="0" err="1"/>
+              <a:t>childs_name</a:t>
+            </a:r>
+            <a:r>
+              <a:rPr lang="en-US" dirty="0"/>
+              <a:t> = None</a:t>
+            </a:r>
           </a:p>
           <a:p>
             <a:r>
